--- a/docs/motif_similarity_exploration/Galalpha1-3Gal epitope, Lactosamine motif, Blood group H_vs_Lactosamine motif, Blood group H.pptx
+++ b/docs/motif_similarity_exploration/Galalpha1-3Gal epitope, Lactosamine motif, Blood group H_vs_Lactosamine motif, Blood group H.pptx
@@ -106,7 +106,7 @@
   </p:defaultTextStyle>
   <p:extLst>
     <p:ext uri="{EFAFB233-063F-42B5-8137-9DF3F51BA10A}">
-      <p15:sldGuideLst xmlns:p15="http://schemas.microsoft.com/office/powerpoint/2012/main">
+      <p15:sldGuideLst xmlns:p15="http://schemas.microsoft.com/office/powerpoint/2012/main" xmlns="">
         <p15:guide id="1" orient="horz" pos="2880">
           <p15:clr>
             <a:srgbClr val="A4A3A4"/>
@@ -306,7 +306,7 @@
           <a:p>
             <a:fld id="{51FB45B9-A736-784F-884A-6BE3E4DF68E6}" type="datetimeFigureOut">
               <a:rPr lang="en-US" smtClean="0"/>
-              <a:t>8/31/2018</a:t>
+              <a:t>31/08/18</a:t>
             </a:fld>
             <a:endParaRPr lang="en-US"/>
           </a:p>
@@ -474,7 +474,7 @@
           <a:p>
             <a:fld id="{51FB45B9-A736-784F-884A-6BE3E4DF68E6}" type="datetimeFigureOut">
               <a:rPr lang="en-US" smtClean="0"/>
-              <a:t>8/31/2018</a:t>
+              <a:t>31/08/18</a:t>
             </a:fld>
             <a:endParaRPr lang="en-US"/>
           </a:p>
@@ -652,7 +652,7 @@
           <a:p>
             <a:fld id="{51FB45B9-A736-784F-884A-6BE3E4DF68E6}" type="datetimeFigureOut">
               <a:rPr lang="en-US" smtClean="0"/>
-              <a:t>8/31/2018</a:t>
+              <a:t>31/08/18</a:t>
             </a:fld>
             <a:endParaRPr lang="en-US"/>
           </a:p>
@@ -820,7 +820,7 @@
           <a:p>
             <a:fld id="{51FB45B9-A736-784F-884A-6BE3E4DF68E6}" type="datetimeFigureOut">
               <a:rPr lang="en-US" smtClean="0"/>
-              <a:t>8/31/2018</a:t>
+              <a:t>31/08/18</a:t>
             </a:fld>
             <a:endParaRPr lang="en-US"/>
           </a:p>
@@ -1065,7 +1065,7 @@
           <a:p>
             <a:fld id="{51FB45B9-A736-784F-884A-6BE3E4DF68E6}" type="datetimeFigureOut">
               <a:rPr lang="en-US" smtClean="0"/>
-              <a:t>8/31/2018</a:t>
+              <a:t>31/08/18</a:t>
             </a:fld>
             <a:endParaRPr lang="en-US"/>
           </a:p>
@@ -1350,7 +1350,7 @@
           <a:p>
             <a:fld id="{51FB45B9-A736-784F-884A-6BE3E4DF68E6}" type="datetimeFigureOut">
               <a:rPr lang="en-US" smtClean="0"/>
-              <a:t>8/31/2018</a:t>
+              <a:t>31/08/18</a:t>
             </a:fld>
             <a:endParaRPr lang="en-US"/>
           </a:p>
@@ -1774,7 +1774,7 @@
           <a:p>
             <a:fld id="{51FB45B9-A736-784F-884A-6BE3E4DF68E6}" type="datetimeFigureOut">
               <a:rPr lang="en-US" smtClean="0"/>
-              <a:t>8/31/2018</a:t>
+              <a:t>31/08/18</a:t>
             </a:fld>
             <a:endParaRPr lang="en-US"/>
           </a:p>
@@ -1891,7 +1891,7 @@
           <a:p>
             <a:fld id="{51FB45B9-A736-784F-884A-6BE3E4DF68E6}" type="datetimeFigureOut">
               <a:rPr lang="en-US" smtClean="0"/>
-              <a:t>8/31/2018</a:t>
+              <a:t>31/08/18</a:t>
             </a:fld>
             <a:endParaRPr lang="en-US"/>
           </a:p>
@@ -1986,7 +1986,7 @@
           <a:p>
             <a:fld id="{51FB45B9-A736-784F-884A-6BE3E4DF68E6}" type="datetimeFigureOut">
               <a:rPr lang="en-US" smtClean="0"/>
-              <a:t>8/31/2018</a:t>
+              <a:t>31/08/18</a:t>
             </a:fld>
             <a:endParaRPr lang="en-US"/>
           </a:p>
@@ -2261,7 +2261,7 @@
           <a:p>
             <a:fld id="{51FB45B9-A736-784F-884A-6BE3E4DF68E6}" type="datetimeFigureOut">
               <a:rPr lang="en-US" smtClean="0"/>
-              <a:t>8/31/2018</a:t>
+              <a:t>31/08/18</a:t>
             </a:fld>
             <a:endParaRPr lang="en-US"/>
           </a:p>
@@ -2513,7 +2513,7 @@
           <a:p>
             <a:fld id="{51FB45B9-A736-784F-884A-6BE3E4DF68E6}" type="datetimeFigureOut">
               <a:rPr lang="en-US" smtClean="0"/>
-              <a:t>8/31/2018</a:t>
+              <a:t>31/08/18</a:t>
             </a:fld>
             <a:endParaRPr lang="en-US"/>
           </a:p>
@@ -2724,7 +2724,7 @@
           <a:p>
             <a:fld id="{51FB45B9-A736-784F-884A-6BE3E4DF68E6}" type="datetimeFigureOut">
               <a:rPr lang="en-US" smtClean="0"/>
-              <a:t>8/31/2018</a:t>
+              <a:t>31/08/18</a:t>
             </a:fld>
             <a:endParaRPr lang="en-US"/>
           </a:p>
@@ -3099,6 +3099,36 @@
           <a:chExt cx="0" cy="0"/>
         </a:xfrm>
       </p:grpSpPr>
+      <p:pic>
+        <p:nvPicPr>
+          <p:cNvPr id="3" name="Picture 2" descr="Galalpha1-3Gal epitope, Lactosamine motif, Blood group H_vs_Lactosamine motif, Blood group H.eps"/>
+          <p:cNvPicPr>
+            <a:picLocks noChangeAspect="1"/>
+          </p:cNvPicPr>
+          <p:nvPr/>
+        </p:nvPicPr>
+        <p:blipFill>
+          <a:blip r:embed="rId2">
+            <a:extLst>
+              <a:ext uri="{28A0092B-C50C-407E-A947-70E740481C1C}">
+                <a14:useLocalDpi xmlns:a14="http://schemas.microsoft.com/office/drawing/2010/main" val="0"/>
+              </a:ext>
+            </a:extLst>
+          </a:blip>
+          <a:stretch>
+            <a:fillRect/>
+          </a:stretch>
+        </p:blipFill>
+        <p:spPr>
+          <a:xfrm>
+            <a:off x="0" y="3125982"/>
+            <a:ext cx="6858000" cy="5132343"/>
+          </a:xfrm>
+          <a:prstGeom prst="rect">
+            <a:avLst/>
+          </a:prstGeom>
+        </p:spPr>
+      </p:pic>
       <p:sp>
         <p:nvSpPr>
           <p:cNvPr id="15" name="Oval 14"/>
@@ -3107,7 +3137,7 @@
         </p:nvSpPr>
         <p:spPr>
           <a:xfrm>
-            <a:off x="781050" y="2296589"/>
+            <a:off x="736600" y="2296589"/>
             <a:ext cx="328613" cy="328613"/>
           </a:xfrm>
           <a:prstGeom prst="ellipse">
@@ -3153,7 +3183,7 @@
         </p:nvSpPr>
         <p:spPr>
           <a:xfrm>
-            <a:off x="781051" y="1582529"/>
+            <a:off x="736601" y="1582529"/>
             <a:ext cx="347060" cy="347060"/>
           </a:xfrm>
           <a:prstGeom prst="ellipse">
@@ -3197,8 +3227,8 @@
         </p:nvSpPr>
         <p:spPr>
           <a:xfrm>
-            <a:off x="1289049" y="1415439"/>
-            <a:ext cx="2517407" cy="738664"/>
+            <a:off x="1128111" y="1491639"/>
+            <a:ext cx="2678346" cy="523220"/>
           </a:xfrm>
           <a:prstGeom prst="rect">
             <a:avLst/>
@@ -3234,8 +3264,8 @@
         </p:nvSpPr>
         <p:spPr>
           <a:xfrm>
-            <a:off x="1289049" y="2333789"/>
-            <a:ext cx="2857648" cy="584775"/>
+            <a:off x="1128111" y="2302039"/>
+            <a:ext cx="3018586" cy="584775"/>
           </a:xfrm>
           <a:prstGeom prst="rect">
             <a:avLst/>
@@ -3267,7 +3297,7 @@
           <p:cNvPr id="14" name="Oval 13">
             <a:extLst>
               <a:ext uri="{FF2B5EF4-FFF2-40B4-BE49-F238E27FC236}">
-                <a16:creationId xmlns:a16="http://schemas.microsoft.com/office/drawing/2014/main" id="{7233B1DE-3C5A-4852-AB85-6E825D5CBB4F}"/>
+                <a16:creationId xmlns:a16="http://schemas.microsoft.com/office/drawing/2014/main" xmlns="" id="{7233B1DE-3C5A-4852-AB85-6E825D5CBB4F}"/>
               </a:ext>
             </a:extLst>
           </p:cNvPr>
@@ -3276,7 +3306,7 @@
         </p:nvSpPr>
         <p:spPr>
           <a:xfrm>
-            <a:off x="781049" y="2992201"/>
+            <a:off x="736599" y="2992201"/>
             <a:ext cx="328613" cy="328613"/>
           </a:xfrm>
           <a:prstGeom prst="ellipse">
@@ -3319,7 +3349,7 @@
           <p:cNvPr id="19" name="TextBox 18">
             <a:extLst>
               <a:ext uri="{FF2B5EF4-FFF2-40B4-BE49-F238E27FC236}">
-                <a16:creationId xmlns:a16="http://schemas.microsoft.com/office/drawing/2014/main" id="{958FF87F-EF9D-41BA-97C5-57AFDC5AA58C}"/>
+                <a16:creationId xmlns:a16="http://schemas.microsoft.com/office/drawing/2014/main" xmlns="" id="{958FF87F-EF9D-41BA-97C5-57AFDC5AA58C}"/>
               </a:ext>
             </a:extLst>
           </p:cNvPr>
@@ -3328,8 +3358,8 @@
         </p:nvSpPr>
         <p:spPr>
           <a:xfrm>
-            <a:off x="1289050" y="3013037"/>
-            <a:ext cx="1625600" cy="307777"/>
+            <a:off x="1128111" y="2987637"/>
+            <a:ext cx="1786539" cy="307777"/>
           </a:xfrm>
           <a:prstGeom prst="rect">
             <a:avLst/>
@@ -3349,75 +3379,68 @@
           </a:p>
         </p:txBody>
       </p:sp>
-      <p:graphicFrame>
-        <p:nvGraphicFramePr>
-          <p:cNvPr id="2" name="Object 1">
-            <a:extLst>
-              <a:ext uri="{FF2B5EF4-FFF2-40B4-BE49-F238E27FC236}">
-                <a16:creationId xmlns:a16="http://schemas.microsoft.com/office/drawing/2014/main" id="{D110EE7C-F8CC-4B74-9332-2EF7051EA9D0}"/>
-              </a:ext>
-            </a:extLst>
-          </p:cNvPr>
-          <p:cNvGraphicFramePr>
-            <a:graphicFrameLocks noChangeAspect="1"/>
-          </p:cNvGraphicFramePr>
-          <p:nvPr>
-            <p:extLst>
-              <p:ext uri="{D42A27DB-BD31-4B8C-83A1-F6EECF244321}">
-                <p14:modId xmlns:p14="http://schemas.microsoft.com/office/powerpoint/2010/main" val="4123854783"/>
-              </p:ext>
-            </p:extLst>
-          </p:nvPr>
-        </p:nvGraphicFramePr>
-        <p:xfrm>
-          <a:off x="0" y="3366922"/>
-          <a:ext cx="6858000" cy="5147220"/>
-        </p:xfrm>
-        <a:graphic>
-          <a:graphicData uri="http://schemas.openxmlformats.org/presentationml/2006/ole">
-            <mc:AlternateContent xmlns:mc="http://schemas.openxmlformats.org/markup-compatibility/2006">
-              <mc:Choice xmlns:v="urn:schemas-microsoft-com:vml" Requires="v">
-                <p:oleObj spid="_x0000_s1030" name="Acrobat Document" r:id="rId3" imgW="4390916" imgH="3295437" progId="AcroExch.Document.DC">
-                  <p:embed/>
-                </p:oleObj>
-              </mc:Choice>
-              <mc:Fallback>
-                <p:oleObj name="Acrobat Document" r:id="rId3" imgW="4390916" imgH="3295437" progId="AcroExch.Document.DC">
-                  <p:embed/>
-                  <p:pic>
-                    <p:nvPicPr>
-                      <p:cNvPr id="0" name=""/>
-                      <p:cNvPicPr/>
-                      <p:nvPr/>
-                    </p:nvPicPr>
-                    <p:blipFill>
-                      <a:blip r:embed="rId4"/>
-                      <a:stretch>
-                        <a:fillRect/>
-                      </a:stretch>
-                    </p:blipFill>
-                    <p:spPr>
-                      <a:xfrm>
-                        <a:off x="0" y="3366922"/>
-                        <a:ext cx="6858000" cy="5147220"/>
-                      </a:xfrm>
-                      <a:prstGeom prst="rect">
-                        <a:avLst/>
-                      </a:prstGeom>
-                    </p:spPr>
-                  </p:pic>
-                </p:oleObj>
-              </mc:Fallback>
-            </mc:AlternateContent>
-          </a:graphicData>
-        </a:graphic>
-      </p:graphicFrame>
       <p:pic>
         <p:nvPicPr>
           <p:cNvPr id="20" name="Image17">
             <a:extLst>
               <a:ext uri="{FF2B5EF4-FFF2-40B4-BE49-F238E27FC236}">
-                <a16:creationId xmlns:a16="http://schemas.microsoft.com/office/drawing/2014/main" id="{B1CD0557-63A2-43A7-810C-D4D91FAF3202}"/>
+                <a16:creationId xmlns:a16="http://schemas.microsoft.com/office/drawing/2014/main" xmlns="" id="{B1CD0557-63A2-43A7-810C-D4D91FAF3202}"/>
+              </a:ext>
+            </a:extLst>
+          </p:cNvPr>
+          <p:cNvPicPr/>
+          <p:nvPr/>
+        </p:nvPicPr>
+        <p:blipFill>
+          <a:blip r:embed="rId3"/>
+          <a:stretch>
+            <a:fillRect/>
+          </a:stretch>
+        </p:blipFill>
+        <p:spPr bwMode="auto">
+          <a:xfrm>
+            <a:off x="3803881" y="1540794"/>
+            <a:ext cx="1157483" cy="510256"/>
+          </a:xfrm>
+          <a:prstGeom prst="rect">
+            <a:avLst/>
+          </a:prstGeom>
+        </p:spPr>
+      </p:pic>
+      <p:pic>
+        <p:nvPicPr>
+          <p:cNvPr id="21" name="Image18">
+            <a:extLst>
+              <a:ext uri="{FF2B5EF4-FFF2-40B4-BE49-F238E27FC236}">
+                <a16:creationId xmlns:a16="http://schemas.microsoft.com/office/drawing/2014/main" xmlns="" id="{E176F888-C956-42A8-B1D0-43FB1B537494}"/>
+              </a:ext>
+            </a:extLst>
+          </p:cNvPr>
+          <p:cNvPicPr/>
+          <p:nvPr/>
+        </p:nvPicPr>
+        <p:blipFill>
+          <a:blip r:embed="rId4"/>
+          <a:stretch>
+            <a:fillRect/>
+          </a:stretch>
+        </p:blipFill>
+        <p:spPr bwMode="auto">
+          <a:xfrm>
+            <a:off x="4783564" y="1550168"/>
+            <a:ext cx="1135796" cy="818382"/>
+          </a:xfrm>
+          <a:prstGeom prst="rect">
+            <a:avLst/>
+          </a:prstGeom>
+        </p:spPr>
+      </p:pic>
+      <p:pic>
+        <p:nvPicPr>
+          <p:cNvPr id="22" name="Image19">
+            <a:extLst>
+              <a:ext uri="{FF2B5EF4-FFF2-40B4-BE49-F238E27FC236}">
+                <a16:creationId xmlns:a16="http://schemas.microsoft.com/office/drawing/2014/main" xmlns="" id="{95DCAAA8-5403-46BB-986E-1CFA0F6ED744}"/>
               </a:ext>
             </a:extLst>
           </p:cNvPr>
@@ -3432,8 +3455,8 @@
         </p:blipFill>
         <p:spPr bwMode="auto">
           <a:xfrm>
-            <a:off x="3886432" y="1540794"/>
-            <a:ext cx="976630" cy="430530"/>
+            <a:off x="5732006" y="1550168"/>
+            <a:ext cx="842070" cy="842070"/>
           </a:xfrm>
           <a:prstGeom prst="rect">
             <a:avLst/>
@@ -3442,10 +3465,10 @@
       </p:pic>
       <p:pic>
         <p:nvPicPr>
-          <p:cNvPr id="21" name="Image18">
+          <p:cNvPr id="23" name="Image18">
             <a:extLst>
               <a:ext uri="{FF2B5EF4-FFF2-40B4-BE49-F238E27FC236}">
-                <a16:creationId xmlns:a16="http://schemas.microsoft.com/office/drawing/2014/main" id="{E176F888-C956-42A8-B1D0-43FB1B537494}"/>
+                <a16:creationId xmlns:a16="http://schemas.microsoft.com/office/drawing/2014/main" xmlns="" id="{E176F888-C956-42A8-B1D0-43FB1B537494}"/>
               </a:ext>
             </a:extLst>
           </p:cNvPr>
@@ -3453,15 +3476,15 @@
           <p:nvPr/>
         </p:nvPicPr>
         <p:blipFill>
-          <a:blip r:embed="rId6"/>
+          <a:blip r:embed="rId4"/>
           <a:stretch>
             <a:fillRect/>
           </a:stretch>
         </p:blipFill>
         <p:spPr bwMode="auto">
           <a:xfrm>
-            <a:off x="4681683" y="1480393"/>
-            <a:ext cx="935012" cy="673710"/>
+            <a:off x="4783564" y="2216011"/>
+            <a:ext cx="1135796" cy="818382"/>
           </a:xfrm>
           <a:prstGeom prst="rect">
             <a:avLst/>
@@ -3470,10 +3493,10 @@
       </p:pic>
       <p:pic>
         <p:nvPicPr>
-          <p:cNvPr id="22" name="Image19">
+          <p:cNvPr id="26" name="Image19">
             <a:extLst>
               <a:ext uri="{FF2B5EF4-FFF2-40B4-BE49-F238E27FC236}">
-                <a16:creationId xmlns:a16="http://schemas.microsoft.com/office/drawing/2014/main" id="{95DCAAA8-5403-46BB-986E-1CFA0F6ED744}"/>
+                <a16:creationId xmlns:a16="http://schemas.microsoft.com/office/drawing/2014/main" xmlns="" id="{95DCAAA8-5403-46BB-986E-1CFA0F6ED744}"/>
               </a:ext>
             </a:extLst>
           </p:cNvPr>
@@ -3481,77 +3504,66 @@
           <p:nvPr/>
         </p:nvPicPr>
         <p:blipFill>
-          <a:blip r:embed="rId7"/>
+          <a:blip r:embed="rId5"/>
           <a:stretch>
             <a:fillRect/>
           </a:stretch>
         </p:blipFill>
         <p:spPr bwMode="auto">
           <a:xfrm>
-            <a:off x="5564784" y="1454519"/>
-            <a:ext cx="755015" cy="755015"/>
+            <a:off x="5732006" y="2216011"/>
+            <a:ext cx="842070" cy="842070"/>
           </a:xfrm>
           <a:prstGeom prst="rect">
             <a:avLst/>
           </a:prstGeom>
         </p:spPr>
       </p:pic>
-      <p:pic>
-        <p:nvPicPr>
-          <p:cNvPr id="24" name="Image21">
-            <a:extLst>
-              <a:ext uri="{FF2B5EF4-FFF2-40B4-BE49-F238E27FC236}">
-                <a16:creationId xmlns:a16="http://schemas.microsoft.com/office/drawing/2014/main" id="{A4427693-9605-4BC1-B622-117D79708E09}"/>
-              </a:ext>
-            </a:extLst>
-          </p:cNvPr>
-          <p:cNvPicPr/>
+      <p:sp>
+        <p:nvSpPr>
+          <p:cNvPr id="4" name="Rectangle 3"/>
+          <p:cNvSpPr/>
           <p:nvPr/>
-        </p:nvPicPr>
-        <p:blipFill>
-          <a:blip r:embed="rId7"/>
-          <a:stretch>
-            <a:fillRect/>
-          </a:stretch>
-        </p:blipFill>
-        <p:spPr bwMode="auto">
+        </p:nvSpPr>
+        <p:spPr>
           <a:xfrm>
-            <a:off x="5564784" y="2140194"/>
-            <a:ext cx="755015" cy="755015"/>
+            <a:off x="5946776" y="3797300"/>
+            <a:ext cx="158750" cy="190500"/>
           </a:xfrm>
           <a:prstGeom prst="rect">
             <a:avLst/>
           </a:prstGeom>
+          <a:solidFill>
+            <a:schemeClr val="bg1"/>
+          </a:solidFill>
+          <a:ln>
+            <a:noFill/>
+          </a:ln>
+          <a:effectLst/>
         </p:spPr>
-      </p:pic>
-      <p:pic>
-        <p:nvPicPr>
-          <p:cNvPr id="25" name="Image18">
-            <a:extLst>
-              <a:ext uri="{FF2B5EF4-FFF2-40B4-BE49-F238E27FC236}">
-                <a16:creationId xmlns:a16="http://schemas.microsoft.com/office/drawing/2014/main" id="{992226DC-A601-4B35-9AD0-C3DAF97A9D88}"/>
-              </a:ext>
-            </a:extLst>
-          </p:cNvPr>
-          <p:cNvPicPr/>
-          <p:nvPr/>
-        </p:nvPicPr>
-        <p:blipFill>
-          <a:blip r:embed="rId6"/>
-          <a:stretch>
-            <a:fillRect/>
-          </a:stretch>
-        </p:blipFill>
-        <p:spPr bwMode="auto">
-          <a:xfrm>
-            <a:off x="4681683" y="2178310"/>
-            <a:ext cx="935012" cy="673710"/>
-          </a:xfrm>
-          <a:prstGeom prst="rect">
-            <a:avLst/>
-          </a:prstGeom>
-        </p:spPr>
-      </p:pic>
+        <p:style>
+          <a:lnRef idx="1">
+            <a:schemeClr val="accent1"/>
+          </a:lnRef>
+          <a:fillRef idx="3">
+            <a:schemeClr val="accent1"/>
+          </a:fillRef>
+          <a:effectRef idx="2">
+            <a:schemeClr val="accent1"/>
+          </a:effectRef>
+          <a:fontRef idx="minor">
+            <a:schemeClr val="lt1"/>
+          </a:fontRef>
+        </p:style>
+        <p:txBody>
+          <a:bodyPr rtlCol="0" anchor="ctr"/>
+          <a:lstStyle/>
+          <a:p>
+            <a:pPr algn="ctr"/>
+            <a:endParaRPr lang="en-US"/>
+          </a:p>
+        </p:txBody>
+      </p:sp>
     </p:spTree>
     <p:extLst>
       <p:ext uri="{BB962C8B-B14F-4D97-AF65-F5344CB8AC3E}">

--- a/docs/motif_similarity_exploration/Galalpha1-3Gal epitope, Lactosamine motif, Blood group H_vs_Lactosamine motif, Blood group H.pptx
+++ b/docs/motif_similarity_exploration/Galalpha1-3Gal epitope, Lactosamine motif, Blood group H_vs_Lactosamine motif, Blood group H.pptx
@@ -106,7 +106,7 @@
   </p:defaultTextStyle>
   <p:extLst>
     <p:ext uri="{EFAFB233-063F-42B5-8137-9DF3F51BA10A}">
-      <p15:sldGuideLst xmlns:p15="http://schemas.microsoft.com/office/powerpoint/2012/main" xmlns="">
+      <p15:sldGuideLst xmlns="" xmlns:p15="http://schemas.microsoft.com/office/powerpoint/2012/main">
         <p15:guide id="1" orient="horz" pos="2880">
           <p15:clr>
             <a:srgbClr val="A4A3A4"/>
@@ -306,7 +306,7 @@
           <a:p>
             <a:fld id="{51FB45B9-A736-784F-884A-6BE3E4DF68E6}" type="datetimeFigureOut">
               <a:rPr lang="en-US" smtClean="0"/>
-              <a:t>31/08/18</a:t>
+              <a:t>02/09/18</a:t>
             </a:fld>
             <a:endParaRPr lang="en-US"/>
           </a:p>
@@ -474,7 +474,7 @@
           <a:p>
             <a:fld id="{51FB45B9-A736-784F-884A-6BE3E4DF68E6}" type="datetimeFigureOut">
               <a:rPr lang="en-US" smtClean="0"/>
-              <a:t>31/08/18</a:t>
+              <a:t>02/09/18</a:t>
             </a:fld>
             <a:endParaRPr lang="en-US"/>
           </a:p>
@@ -652,7 +652,7 @@
           <a:p>
             <a:fld id="{51FB45B9-A736-784F-884A-6BE3E4DF68E6}" type="datetimeFigureOut">
               <a:rPr lang="en-US" smtClean="0"/>
-              <a:t>31/08/18</a:t>
+              <a:t>02/09/18</a:t>
             </a:fld>
             <a:endParaRPr lang="en-US"/>
           </a:p>
@@ -820,7 +820,7 @@
           <a:p>
             <a:fld id="{51FB45B9-A736-784F-884A-6BE3E4DF68E6}" type="datetimeFigureOut">
               <a:rPr lang="en-US" smtClean="0"/>
-              <a:t>31/08/18</a:t>
+              <a:t>02/09/18</a:t>
             </a:fld>
             <a:endParaRPr lang="en-US"/>
           </a:p>
@@ -1065,7 +1065,7 @@
           <a:p>
             <a:fld id="{51FB45B9-A736-784F-884A-6BE3E4DF68E6}" type="datetimeFigureOut">
               <a:rPr lang="en-US" smtClean="0"/>
-              <a:t>31/08/18</a:t>
+              <a:t>02/09/18</a:t>
             </a:fld>
             <a:endParaRPr lang="en-US"/>
           </a:p>
@@ -1350,7 +1350,7 @@
           <a:p>
             <a:fld id="{51FB45B9-A736-784F-884A-6BE3E4DF68E6}" type="datetimeFigureOut">
               <a:rPr lang="en-US" smtClean="0"/>
-              <a:t>31/08/18</a:t>
+              <a:t>02/09/18</a:t>
             </a:fld>
             <a:endParaRPr lang="en-US"/>
           </a:p>
@@ -1774,7 +1774,7 @@
           <a:p>
             <a:fld id="{51FB45B9-A736-784F-884A-6BE3E4DF68E6}" type="datetimeFigureOut">
               <a:rPr lang="en-US" smtClean="0"/>
-              <a:t>31/08/18</a:t>
+              <a:t>02/09/18</a:t>
             </a:fld>
             <a:endParaRPr lang="en-US"/>
           </a:p>
@@ -1891,7 +1891,7 @@
           <a:p>
             <a:fld id="{51FB45B9-A736-784F-884A-6BE3E4DF68E6}" type="datetimeFigureOut">
               <a:rPr lang="en-US" smtClean="0"/>
-              <a:t>31/08/18</a:t>
+              <a:t>02/09/18</a:t>
             </a:fld>
             <a:endParaRPr lang="en-US"/>
           </a:p>
@@ -1986,7 +1986,7 @@
           <a:p>
             <a:fld id="{51FB45B9-A736-784F-884A-6BE3E4DF68E6}" type="datetimeFigureOut">
               <a:rPr lang="en-US" smtClean="0"/>
-              <a:t>31/08/18</a:t>
+              <a:t>02/09/18</a:t>
             </a:fld>
             <a:endParaRPr lang="en-US"/>
           </a:p>
@@ -2261,7 +2261,7 @@
           <a:p>
             <a:fld id="{51FB45B9-A736-784F-884A-6BE3E4DF68E6}" type="datetimeFigureOut">
               <a:rPr lang="en-US" smtClean="0"/>
-              <a:t>31/08/18</a:t>
+              <a:t>02/09/18</a:t>
             </a:fld>
             <a:endParaRPr lang="en-US"/>
           </a:p>
@@ -2513,7 +2513,7 @@
           <a:p>
             <a:fld id="{51FB45B9-A736-784F-884A-6BE3E4DF68E6}" type="datetimeFigureOut">
               <a:rPr lang="en-US" smtClean="0"/>
-              <a:t>31/08/18</a:t>
+              <a:t>02/09/18</a:t>
             </a:fld>
             <a:endParaRPr lang="en-US"/>
           </a:p>
@@ -2724,7 +2724,7 @@
           <a:p>
             <a:fld id="{51FB45B9-A736-784F-884A-6BE3E4DF68E6}" type="datetimeFigureOut">
               <a:rPr lang="en-US" smtClean="0"/>
-              <a:t>31/08/18</a:t>
+              <a:t>02/09/18</a:t>
             </a:fld>
             <a:endParaRPr lang="en-US"/>
           </a:p>
@@ -3190,7 +3190,7 @@
             <a:avLst/>
           </a:prstGeom>
           <a:solidFill>
-            <a:srgbClr val="7B4173"/>
+            <a:srgbClr val="AE8E2B"/>
           </a:solidFill>
           <a:ln>
             <a:noFill/>
@@ -3297,7 +3297,7 @@
           <p:cNvPr id="14" name="Oval 13">
             <a:extLst>
               <a:ext uri="{FF2B5EF4-FFF2-40B4-BE49-F238E27FC236}">
-                <a16:creationId xmlns:a16="http://schemas.microsoft.com/office/drawing/2014/main" xmlns="" id="{7233B1DE-3C5A-4852-AB85-6E825D5CBB4F}"/>
+                <a16:creationId xmlns="" xmlns:a16="http://schemas.microsoft.com/office/drawing/2014/main" id="{7233B1DE-3C5A-4852-AB85-6E825D5CBB4F}"/>
               </a:ext>
             </a:extLst>
           </p:cNvPr>
@@ -3349,7 +3349,7 @@
           <p:cNvPr id="19" name="TextBox 18">
             <a:extLst>
               <a:ext uri="{FF2B5EF4-FFF2-40B4-BE49-F238E27FC236}">
-                <a16:creationId xmlns:a16="http://schemas.microsoft.com/office/drawing/2014/main" xmlns="" id="{958FF87F-EF9D-41BA-97C5-57AFDC5AA58C}"/>
+                <a16:creationId xmlns="" xmlns:a16="http://schemas.microsoft.com/office/drawing/2014/main" id="{958FF87F-EF9D-41BA-97C5-57AFDC5AA58C}"/>
               </a:ext>
             </a:extLst>
           </p:cNvPr>
@@ -3384,7 +3384,7 @@
           <p:cNvPr id="20" name="Image17">
             <a:extLst>
               <a:ext uri="{FF2B5EF4-FFF2-40B4-BE49-F238E27FC236}">
-                <a16:creationId xmlns:a16="http://schemas.microsoft.com/office/drawing/2014/main" xmlns="" id="{B1CD0557-63A2-43A7-810C-D4D91FAF3202}"/>
+                <a16:creationId xmlns="" xmlns:a16="http://schemas.microsoft.com/office/drawing/2014/main" id="{B1CD0557-63A2-43A7-810C-D4D91FAF3202}"/>
               </a:ext>
             </a:extLst>
           </p:cNvPr>
@@ -3412,7 +3412,7 @@
           <p:cNvPr id="21" name="Image18">
             <a:extLst>
               <a:ext uri="{FF2B5EF4-FFF2-40B4-BE49-F238E27FC236}">
-                <a16:creationId xmlns:a16="http://schemas.microsoft.com/office/drawing/2014/main" xmlns="" id="{E176F888-C956-42A8-B1D0-43FB1B537494}"/>
+                <a16:creationId xmlns="" xmlns:a16="http://schemas.microsoft.com/office/drawing/2014/main" id="{E176F888-C956-42A8-B1D0-43FB1B537494}"/>
               </a:ext>
             </a:extLst>
           </p:cNvPr>
@@ -3440,7 +3440,7 @@
           <p:cNvPr id="22" name="Image19">
             <a:extLst>
               <a:ext uri="{FF2B5EF4-FFF2-40B4-BE49-F238E27FC236}">
-                <a16:creationId xmlns:a16="http://schemas.microsoft.com/office/drawing/2014/main" xmlns="" id="{95DCAAA8-5403-46BB-986E-1CFA0F6ED744}"/>
+                <a16:creationId xmlns="" xmlns:a16="http://schemas.microsoft.com/office/drawing/2014/main" id="{95DCAAA8-5403-46BB-986E-1CFA0F6ED744}"/>
               </a:ext>
             </a:extLst>
           </p:cNvPr>
@@ -3468,7 +3468,7 @@
           <p:cNvPr id="23" name="Image18">
             <a:extLst>
               <a:ext uri="{FF2B5EF4-FFF2-40B4-BE49-F238E27FC236}">
-                <a16:creationId xmlns:a16="http://schemas.microsoft.com/office/drawing/2014/main" xmlns="" id="{E176F888-C956-42A8-B1D0-43FB1B537494}"/>
+                <a16:creationId xmlns="" xmlns:a16="http://schemas.microsoft.com/office/drawing/2014/main" id="{E176F888-C956-42A8-B1D0-43FB1B537494}"/>
               </a:ext>
             </a:extLst>
           </p:cNvPr>
@@ -3496,7 +3496,7 @@
           <p:cNvPr id="26" name="Image19">
             <a:extLst>
               <a:ext uri="{FF2B5EF4-FFF2-40B4-BE49-F238E27FC236}">
-                <a16:creationId xmlns:a16="http://schemas.microsoft.com/office/drawing/2014/main" xmlns="" id="{95DCAAA8-5403-46BB-986E-1CFA0F6ED744}"/>
+                <a16:creationId xmlns="" xmlns:a16="http://schemas.microsoft.com/office/drawing/2014/main" id="{95DCAAA8-5403-46BB-986E-1CFA0F6ED744}"/>
               </a:ext>
             </a:extLst>
           </p:cNvPr>
